--- a/data-system/data-system-share1_v5.pptx
+++ b/data-system/data-system-share1_v5.pptx
@@ -5,7 +5,7 @@
     <p:sldMasterId id="2147483672" r:id="rId1"/>
   </p:sldMasterIdLst>
   <p:notesMasterIdLst>
-    <p:notesMasterId r:id="rId59"/>
+    <p:notesMasterId r:id="rId58"/>
   </p:notesMasterIdLst>
   <p:sldIdLst>
     <p:sldId id="256" r:id="rId2"/>
@@ -64,7 +64,6 @@
     <p:sldId id="321" r:id="rId55"/>
     <p:sldId id="322" r:id="rId56"/>
     <p:sldId id="291" r:id="rId57"/>
-    <p:sldId id="297" r:id="rId58"/>
   </p:sldIdLst>
   <p:sldSz cx="12192000" cy="6858000"/>
   <p:notesSz cx="6858000" cy="1543050"/>
@@ -264,7 +263,7 @@
           <a:p>
             <a:fld id="{747AC9F4-C18A-4AAE-A4C5-5EC03AC0D571}" type="datetimeFigureOut">
               <a:rPr lang="zh-CN" altLang="en-US" smtClean="0"/>
-              <a:t>2019/5/10</a:t>
+              <a:t>2019/9/16</a:t>
             </a:fld>
             <a:endParaRPr lang="zh-CN" altLang="en-US"/>
           </a:p>
@@ -8213,90 +8212,6 @@
 </p:notes>
 </file>
 
-<file path=ppt/notesSlides/notesSlide53.xml><?xml version="1.0" encoding="utf-8"?>
-<p:notes xmlns:a="http://schemas.openxmlformats.org/drawingml/2006/main" xmlns:r="http://schemas.openxmlformats.org/officeDocument/2006/relationships" xmlns:p="http://schemas.openxmlformats.org/presentationml/2006/main">
-  <p:cSld>
-    <p:spTree>
-      <p:nvGrpSpPr>
-        <p:cNvPr id="1" name=""/>
-        <p:cNvGrpSpPr/>
-        <p:nvPr/>
-      </p:nvGrpSpPr>
-      <p:grpSpPr>
-        <a:xfrm>
-          <a:off x="0" y="0"/>
-          <a:ext cx="0" cy="0"/>
-          <a:chOff x="0" y="0"/>
-          <a:chExt cx="0" cy="0"/>
-        </a:xfrm>
-      </p:grpSpPr>
-      <p:sp>
-        <p:nvSpPr>
-          <p:cNvPr id="2" name="幻灯片图像占位符 1"/>
-          <p:cNvSpPr>
-            <a:spLocks noGrp="1" noRot="1" noChangeAspect="1"/>
-          </p:cNvSpPr>
-          <p:nvPr>
-            <p:ph type="sldImg"/>
-          </p:nvPr>
-        </p:nvSpPr>
-        <p:spPr/>
-      </p:sp>
-      <p:sp>
-        <p:nvSpPr>
-          <p:cNvPr id="3" name="备注占位符 2"/>
-          <p:cNvSpPr>
-            <a:spLocks noGrp="1"/>
-          </p:cNvSpPr>
-          <p:nvPr>
-            <p:ph type="body" idx="1"/>
-          </p:nvPr>
-        </p:nvSpPr>
-        <p:spPr/>
-        <p:txBody>
-          <a:bodyPr/>
-          <a:lstStyle/>
-          <a:p>
-            <a:endParaRPr lang="zh-CN" altLang="en-US" dirty="0"/>
-          </a:p>
-        </p:txBody>
-      </p:sp>
-      <p:sp>
-        <p:nvSpPr>
-          <p:cNvPr id="4" name="灯片编号占位符 3"/>
-          <p:cNvSpPr>
-            <a:spLocks noGrp="1"/>
-          </p:cNvSpPr>
-          <p:nvPr>
-            <p:ph type="sldNum" sz="quarter" idx="10"/>
-          </p:nvPr>
-        </p:nvSpPr>
-        <p:spPr/>
-        <p:txBody>
-          <a:bodyPr/>
-          <a:lstStyle/>
-          <a:p>
-            <a:fld id="{B29B0859-3CF9-4522-8BD4-7CFA1BC8768C}" type="slidenum">
-              <a:rPr lang="zh-CN" altLang="en-US" smtClean="0"/>
-              <a:t>57</a:t>
-            </a:fld>
-            <a:endParaRPr lang="zh-CN" altLang="en-US"/>
-          </a:p>
-        </p:txBody>
-      </p:sp>
-    </p:spTree>
-    <p:extLst>
-      <p:ext uri="{BB962C8B-B14F-4D97-AF65-F5344CB8AC3E}">
-        <p14:creationId xmlns:p14="http://schemas.microsoft.com/office/powerpoint/2010/main" val="2330913832"/>
-      </p:ext>
-    </p:extLst>
-  </p:cSld>
-  <p:clrMapOvr>
-    <a:masterClrMapping/>
-  </p:clrMapOvr>
-</p:notes>
-</file>
-
 <file path=ppt/notesSlides/notesSlide6.xml><?xml version="1.0" encoding="utf-8"?>
 <p:notes xmlns:a="http://schemas.openxmlformats.org/drawingml/2006/main" xmlns:r="http://schemas.openxmlformats.org/officeDocument/2006/relationships" xmlns:p="http://schemas.openxmlformats.org/presentationml/2006/main">
   <p:cSld>
@@ -8994,7 +8909,7 @@
           <a:p>
             <a:fld id="{A9AB96BA-27DC-428C-951A-8206D1376619}" type="datetimeFigureOut">
               <a:rPr lang="zh-CN" altLang="en-US" smtClean="0"/>
-              <a:t>2019/5/10</a:t>
+              <a:t>2019/9/16</a:t>
             </a:fld>
             <a:endParaRPr lang="zh-CN" altLang="en-US"/>
           </a:p>
@@ -9162,7 +9077,7 @@
           <a:p>
             <a:fld id="{A9AB96BA-27DC-428C-951A-8206D1376619}" type="datetimeFigureOut">
               <a:rPr lang="zh-CN" altLang="en-US" smtClean="0"/>
-              <a:t>2019/5/10</a:t>
+              <a:t>2019/9/16</a:t>
             </a:fld>
             <a:endParaRPr lang="zh-CN" altLang="en-US"/>
           </a:p>
@@ -9340,7 +9255,7 @@
           <a:p>
             <a:fld id="{A9AB96BA-27DC-428C-951A-8206D1376619}" type="datetimeFigureOut">
               <a:rPr lang="zh-CN" altLang="en-US" smtClean="0"/>
-              <a:t>2019/5/10</a:t>
+              <a:t>2019/9/16</a:t>
             </a:fld>
             <a:endParaRPr lang="zh-CN" altLang="en-US"/>
           </a:p>
@@ -9508,7 +9423,7 @@
           <a:p>
             <a:fld id="{A9AB96BA-27DC-428C-951A-8206D1376619}" type="datetimeFigureOut">
               <a:rPr lang="zh-CN" altLang="en-US" smtClean="0"/>
-              <a:t>2019/5/10</a:t>
+              <a:t>2019/9/16</a:t>
             </a:fld>
             <a:endParaRPr lang="zh-CN" altLang="en-US"/>
           </a:p>
@@ -9753,7 +9668,7 @@
           <a:p>
             <a:fld id="{A9AB96BA-27DC-428C-951A-8206D1376619}" type="datetimeFigureOut">
               <a:rPr lang="zh-CN" altLang="en-US" smtClean="0"/>
-              <a:t>2019/5/10</a:t>
+              <a:t>2019/9/16</a:t>
             </a:fld>
             <a:endParaRPr lang="zh-CN" altLang="en-US"/>
           </a:p>
@@ -9982,7 +9897,7 @@
           <a:p>
             <a:fld id="{A9AB96BA-27DC-428C-951A-8206D1376619}" type="datetimeFigureOut">
               <a:rPr lang="zh-CN" altLang="en-US" smtClean="0"/>
-              <a:t>2019/5/10</a:t>
+              <a:t>2019/9/16</a:t>
             </a:fld>
             <a:endParaRPr lang="zh-CN" altLang="en-US"/>
           </a:p>
@@ -10346,7 +10261,7 @@
           <a:p>
             <a:fld id="{A9AB96BA-27DC-428C-951A-8206D1376619}" type="datetimeFigureOut">
               <a:rPr lang="zh-CN" altLang="en-US" smtClean="0"/>
-              <a:t>2019/5/10</a:t>
+              <a:t>2019/9/16</a:t>
             </a:fld>
             <a:endParaRPr lang="zh-CN" altLang="en-US"/>
           </a:p>
@@ -10463,7 +10378,7 @@
           <a:p>
             <a:fld id="{A9AB96BA-27DC-428C-951A-8206D1376619}" type="datetimeFigureOut">
               <a:rPr lang="zh-CN" altLang="en-US" smtClean="0"/>
-              <a:t>2019/5/10</a:t>
+              <a:t>2019/9/16</a:t>
             </a:fld>
             <a:endParaRPr lang="zh-CN" altLang="en-US"/>
           </a:p>
@@ -10558,7 +10473,7 @@
           <a:p>
             <a:fld id="{A9AB96BA-27DC-428C-951A-8206D1376619}" type="datetimeFigureOut">
               <a:rPr lang="zh-CN" altLang="en-US" smtClean="0"/>
-              <a:t>2019/5/10</a:t>
+              <a:t>2019/9/16</a:t>
             </a:fld>
             <a:endParaRPr lang="zh-CN" altLang="en-US"/>
           </a:p>
@@ -10833,7 +10748,7 @@
           <a:p>
             <a:fld id="{A9AB96BA-27DC-428C-951A-8206D1376619}" type="datetimeFigureOut">
               <a:rPr lang="zh-CN" altLang="en-US" smtClean="0"/>
-              <a:t>2019/5/10</a:t>
+              <a:t>2019/9/16</a:t>
             </a:fld>
             <a:endParaRPr lang="zh-CN" altLang="en-US"/>
           </a:p>
@@ -11085,7 +11000,7 @@
           <a:p>
             <a:fld id="{A9AB96BA-27DC-428C-951A-8206D1376619}" type="datetimeFigureOut">
               <a:rPr lang="zh-CN" altLang="en-US" smtClean="0"/>
-              <a:t>2019/5/10</a:t>
+              <a:t>2019/9/16</a:t>
             </a:fld>
             <a:endParaRPr lang="zh-CN" altLang="en-US"/>
           </a:p>
@@ -11296,7 +11211,7 @@
           <a:p>
             <a:fld id="{A9AB96BA-27DC-428C-951A-8206D1376619}" type="datetimeFigureOut">
               <a:rPr lang="zh-CN" altLang="en-US" smtClean="0"/>
-              <a:t>2019/5/10</a:t>
+              <a:t>2019/9/16</a:t>
             </a:fld>
             <a:endParaRPr lang="zh-CN" altLang="en-US"/>
           </a:p>
@@ -11837,26 +11752,7 @@
           </a:bodyPr>
           <a:lstStyle/>
           <a:p>
-            <a:r>
-              <a:rPr lang="zh-CN" altLang="en-US" sz="2000" dirty="0">
-                <a:solidFill>
-                  <a:schemeClr val="bg1"/>
-                </a:solidFill>
-                <a:latin typeface="微软雅黑" panose="020B0503020204020204" pitchFamily="34" charset="-122"/>
-                <a:ea typeface="微软雅黑" panose="020B0503020204020204" pitchFamily="34" charset="-122"/>
-              </a:rPr>
-              <a:t>运维部  </a:t>
-            </a:r>
-            <a:r>
-              <a:rPr lang="en-US" altLang="zh-CN" sz="2000" dirty="0">
-                <a:solidFill>
-                  <a:schemeClr val="bg1"/>
-                </a:solidFill>
-                <a:latin typeface="微软雅黑" panose="020B0503020204020204" pitchFamily="34" charset="-122"/>
-                <a:ea typeface="微软雅黑" panose="020B0503020204020204" pitchFamily="34" charset="-122"/>
-              </a:rPr>
-              <a:t>·  </a:t>
-            </a:r>
+            <a:pPr algn="ctr"/>
             <a:r>
               <a:rPr lang="zh-CN" sz="2000" dirty="0">
                 <a:solidFill>
@@ -38336,114 +38232,6 @@
 </p:sld>
 </file>
 
-<file path=ppt/slides/slide57.xml><?xml version="1.0" encoding="utf-8"?>
-<p:sld xmlns:a="http://schemas.openxmlformats.org/drawingml/2006/main" xmlns:r="http://schemas.openxmlformats.org/officeDocument/2006/relationships" xmlns:p="http://schemas.openxmlformats.org/presentationml/2006/main">
-  <p:cSld>
-    <p:spTree>
-      <p:nvGrpSpPr>
-        <p:cNvPr id="1" name=""/>
-        <p:cNvGrpSpPr/>
-        <p:nvPr/>
-      </p:nvGrpSpPr>
-      <p:grpSpPr>
-        <a:xfrm>
-          <a:off x="0" y="0"/>
-          <a:ext cx="0" cy="0"/>
-          <a:chOff x="0" y="0"/>
-          <a:chExt cx="0" cy="0"/>
-        </a:xfrm>
-      </p:grpSpPr>
-      <p:pic>
-        <p:nvPicPr>
-          <p:cNvPr id="2" name="图片 1"/>
-          <p:cNvPicPr>
-            <a:picLocks noChangeAspect="1"/>
-          </p:cNvPicPr>
-          <p:nvPr/>
-        </p:nvPicPr>
-        <p:blipFill>
-          <a:blip r:embed="rId3">
-            <a:extLst>
-              <a:ext uri="{28A0092B-C50C-407E-A947-70E740481C1C}">
-                <a14:useLocalDpi xmlns:a14="http://schemas.microsoft.com/office/drawing/2010/main" val="0"/>
-              </a:ext>
-            </a:extLst>
-          </a:blip>
-          <a:stretch>
-            <a:fillRect/>
-          </a:stretch>
-        </p:blipFill>
-        <p:spPr>
-          <a:xfrm>
-            <a:off x="5012" y="0"/>
-            <a:ext cx="12181975" cy="6858000"/>
-          </a:xfrm>
-          <a:prstGeom prst="rect">
-            <a:avLst/>
-          </a:prstGeom>
-        </p:spPr>
-      </p:pic>
-      <p:sp>
-        <p:nvSpPr>
-          <p:cNvPr id="5" name="文本框 4"/>
-          <p:cNvSpPr txBox="1"/>
-          <p:nvPr/>
-        </p:nvSpPr>
-        <p:spPr>
-          <a:xfrm>
-            <a:off x="4871145" y="5727700"/>
-            <a:ext cx="2449710" cy="492443"/>
-          </a:xfrm>
-          <a:prstGeom prst="rect">
-            <a:avLst/>
-          </a:prstGeom>
-          <a:noFill/>
-        </p:spPr>
-        <p:txBody>
-          <a:bodyPr wrap="none" rtlCol="0">
-            <a:spAutoFit/>
-          </a:bodyPr>
-          <a:lstStyle/>
-          <a:p>
-            <a:r>
-              <a:rPr lang="en-US" altLang="zh-CN" sz="2600" dirty="0">
-                <a:solidFill>
-                  <a:schemeClr val="tx1">
-                    <a:lumMod val="50000"/>
-                    <a:lumOff val="50000"/>
-                  </a:schemeClr>
-                </a:solidFill>
-                <a:latin typeface="微软雅黑" panose="020B0503020204020204" pitchFamily="34" charset="-122"/>
-                <a:ea typeface="微软雅黑" panose="020B0503020204020204" pitchFamily="34" charset="-122"/>
-              </a:rPr>
-              <a:t>Any question?</a:t>
-            </a:r>
-            <a:endParaRPr lang="zh-CN" altLang="en-US" sz="2600" dirty="0">
-              <a:solidFill>
-                <a:schemeClr val="tx1">
-                  <a:lumMod val="50000"/>
-                  <a:lumOff val="50000"/>
-                </a:schemeClr>
-              </a:solidFill>
-              <a:latin typeface="微软雅黑" panose="020B0503020204020204" pitchFamily="34" charset="-122"/>
-              <a:ea typeface="微软雅黑" panose="020B0503020204020204" pitchFamily="34" charset="-122"/>
-            </a:endParaRPr>
-          </a:p>
-        </p:txBody>
-      </p:sp>
-    </p:spTree>
-    <p:extLst>
-      <p:ext uri="{BB962C8B-B14F-4D97-AF65-F5344CB8AC3E}">
-        <p14:creationId xmlns:p14="http://schemas.microsoft.com/office/powerpoint/2010/main" val="458555321"/>
-      </p:ext>
-    </p:extLst>
-  </p:cSld>
-  <p:clrMapOvr>
-    <a:masterClrMapping/>
-  </p:clrMapOvr>
-</p:sld>
-</file>
-
 <file path=ppt/slides/slide6.xml><?xml version="1.0" encoding="utf-8"?>
 <p:sld xmlns:a="http://schemas.openxmlformats.org/drawingml/2006/main" xmlns:r="http://schemas.openxmlformats.org/officeDocument/2006/relationships" xmlns:p="http://schemas.openxmlformats.org/presentationml/2006/main">
   <p:cSld>
